--- a/연습/ydh/lotto.pptx
+++ b/연습/ydh/lotto.pptx
@@ -5077,7 +5077,7 @@
         </p:blipFill>
         <p:spPr>
           <a:xfrm>
-            <a:off x="1257912" y="5445947"/>
+            <a:off x="1272426" y="5387926"/>
             <a:ext cx="5128373" cy="625283"/>
           </a:xfrm>
           <a:prstGeom prst="rect">
